--- a/trunk/artwork/RSCM.pptx
+++ b/trunk/artwork/RSCM.pptx
@@ -6,6 +6,7 @@
   </p:sldMasterIdLst>
   <p:sldIdLst>
     <p:sldId id="256" r:id="rId2"/>
+    <p:sldId id="257" r:id="rId3"/>
   </p:sldIdLst>
   <p:sldSz cx="9144000" cy="6858000" type="screen4x3"/>
   <p:notesSz cx="6858000" cy="9144000"/>
@@ -286,9 +287,9 @@
           <a:bodyPr/>
           <a:lstStyle/>
           <a:p>
-            <a:fld id="{9599ACC1-C4B1-40B1-9C13-3E4FD50214C5}" type="datetimeFigureOut">
+            <a:fld id="{59262949-4AF2-4D88-BEF2-E0EFE172A0C4}" type="datetimeFigureOut">
               <a:rPr lang="en-GB" smtClean="0"/>
-              <a:t>14/11/2012</a:t>
+              <a:t>30/04/2013</a:t>
             </a:fld>
             <a:endParaRPr lang="en-GB"/>
           </a:p>
@@ -328,7 +329,7 @@
           <a:bodyPr/>
           <a:lstStyle/>
           <a:p>
-            <a:fld id="{FDE57184-8609-454A-B644-07380227FCE6}" type="slidenum">
+            <a:fld id="{D996A88B-5D79-498D-A36E-5EBF62D03CD6}" type="slidenum">
               <a:rPr lang="en-GB" smtClean="0"/>
               <a:t>‹#›</a:t>
             </a:fld>
@@ -339,7 +340,7 @@
     </p:spTree>
     <p:extLst>
       <p:ext uri="{BB962C8B-B14F-4D97-AF65-F5344CB8AC3E}">
-        <p14:creationId xmlns:p14="http://schemas.microsoft.com/office/powerpoint/2010/main" val="63400302"/>
+        <p14:creationId xmlns:p14="http://schemas.microsoft.com/office/powerpoint/2010/main" val="1020266647"/>
       </p:ext>
     </p:extLst>
   </p:cSld>
@@ -456,9 +457,9 @@
           <a:bodyPr/>
           <a:lstStyle/>
           <a:p>
-            <a:fld id="{9599ACC1-C4B1-40B1-9C13-3E4FD50214C5}" type="datetimeFigureOut">
+            <a:fld id="{59262949-4AF2-4D88-BEF2-E0EFE172A0C4}" type="datetimeFigureOut">
               <a:rPr lang="en-GB" smtClean="0"/>
-              <a:t>14/11/2012</a:t>
+              <a:t>30/04/2013</a:t>
             </a:fld>
             <a:endParaRPr lang="en-GB"/>
           </a:p>
@@ -498,7 +499,7 @@
           <a:bodyPr/>
           <a:lstStyle/>
           <a:p>
-            <a:fld id="{FDE57184-8609-454A-B644-07380227FCE6}" type="slidenum">
+            <a:fld id="{D996A88B-5D79-498D-A36E-5EBF62D03CD6}" type="slidenum">
               <a:rPr lang="en-GB" smtClean="0"/>
               <a:t>‹#›</a:t>
             </a:fld>
@@ -509,7 +510,7 @@
     </p:spTree>
     <p:extLst>
       <p:ext uri="{BB962C8B-B14F-4D97-AF65-F5344CB8AC3E}">
-        <p14:creationId xmlns:p14="http://schemas.microsoft.com/office/powerpoint/2010/main" val="3958239680"/>
+        <p14:creationId xmlns:p14="http://schemas.microsoft.com/office/powerpoint/2010/main" val="1299018816"/>
       </p:ext>
     </p:extLst>
   </p:cSld>
@@ -636,9 +637,9 @@
           <a:bodyPr/>
           <a:lstStyle/>
           <a:p>
-            <a:fld id="{9599ACC1-C4B1-40B1-9C13-3E4FD50214C5}" type="datetimeFigureOut">
+            <a:fld id="{59262949-4AF2-4D88-BEF2-E0EFE172A0C4}" type="datetimeFigureOut">
               <a:rPr lang="en-GB" smtClean="0"/>
-              <a:t>14/11/2012</a:t>
+              <a:t>30/04/2013</a:t>
             </a:fld>
             <a:endParaRPr lang="en-GB"/>
           </a:p>
@@ -678,7 +679,7 @@
           <a:bodyPr/>
           <a:lstStyle/>
           <a:p>
-            <a:fld id="{FDE57184-8609-454A-B644-07380227FCE6}" type="slidenum">
+            <a:fld id="{D996A88B-5D79-498D-A36E-5EBF62D03CD6}" type="slidenum">
               <a:rPr lang="en-GB" smtClean="0"/>
               <a:t>‹#›</a:t>
             </a:fld>
@@ -689,7 +690,7 @@
     </p:spTree>
     <p:extLst>
       <p:ext uri="{BB962C8B-B14F-4D97-AF65-F5344CB8AC3E}">
-        <p14:creationId xmlns:p14="http://schemas.microsoft.com/office/powerpoint/2010/main" val="3031194635"/>
+        <p14:creationId xmlns:p14="http://schemas.microsoft.com/office/powerpoint/2010/main" val="1305262978"/>
       </p:ext>
     </p:extLst>
   </p:cSld>
@@ -806,9 +807,9 @@
           <a:bodyPr/>
           <a:lstStyle/>
           <a:p>
-            <a:fld id="{9599ACC1-C4B1-40B1-9C13-3E4FD50214C5}" type="datetimeFigureOut">
+            <a:fld id="{59262949-4AF2-4D88-BEF2-E0EFE172A0C4}" type="datetimeFigureOut">
               <a:rPr lang="en-GB" smtClean="0"/>
-              <a:t>14/11/2012</a:t>
+              <a:t>30/04/2013</a:t>
             </a:fld>
             <a:endParaRPr lang="en-GB"/>
           </a:p>
@@ -848,7 +849,7 @@
           <a:bodyPr/>
           <a:lstStyle/>
           <a:p>
-            <a:fld id="{FDE57184-8609-454A-B644-07380227FCE6}" type="slidenum">
+            <a:fld id="{D996A88B-5D79-498D-A36E-5EBF62D03CD6}" type="slidenum">
               <a:rPr lang="en-GB" smtClean="0"/>
               <a:t>‹#›</a:t>
             </a:fld>
@@ -859,7 +860,7 @@
     </p:spTree>
     <p:extLst>
       <p:ext uri="{BB962C8B-B14F-4D97-AF65-F5344CB8AC3E}">
-        <p14:creationId xmlns:p14="http://schemas.microsoft.com/office/powerpoint/2010/main" val="1651186322"/>
+        <p14:creationId xmlns:p14="http://schemas.microsoft.com/office/powerpoint/2010/main" val="283581112"/>
       </p:ext>
     </p:extLst>
   </p:cSld>
@@ -1052,9 +1053,9 @@
           <a:bodyPr/>
           <a:lstStyle/>
           <a:p>
-            <a:fld id="{9599ACC1-C4B1-40B1-9C13-3E4FD50214C5}" type="datetimeFigureOut">
+            <a:fld id="{59262949-4AF2-4D88-BEF2-E0EFE172A0C4}" type="datetimeFigureOut">
               <a:rPr lang="en-GB" smtClean="0"/>
-              <a:t>14/11/2012</a:t>
+              <a:t>30/04/2013</a:t>
             </a:fld>
             <a:endParaRPr lang="en-GB"/>
           </a:p>
@@ -1094,7 +1095,7 @@
           <a:bodyPr/>
           <a:lstStyle/>
           <a:p>
-            <a:fld id="{FDE57184-8609-454A-B644-07380227FCE6}" type="slidenum">
+            <a:fld id="{D996A88B-5D79-498D-A36E-5EBF62D03CD6}" type="slidenum">
               <a:rPr lang="en-GB" smtClean="0"/>
               <a:t>‹#›</a:t>
             </a:fld>
@@ -1105,7 +1106,7 @@
     </p:spTree>
     <p:extLst>
       <p:ext uri="{BB962C8B-B14F-4D97-AF65-F5344CB8AC3E}">
-        <p14:creationId xmlns:p14="http://schemas.microsoft.com/office/powerpoint/2010/main" val="1402620433"/>
+        <p14:creationId xmlns:p14="http://schemas.microsoft.com/office/powerpoint/2010/main" val="3780298672"/>
       </p:ext>
     </p:extLst>
   </p:cSld>
@@ -1340,9 +1341,9 @@
           <a:bodyPr/>
           <a:lstStyle/>
           <a:p>
-            <a:fld id="{9599ACC1-C4B1-40B1-9C13-3E4FD50214C5}" type="datetimeFigureOut">
+            <a:fld id="{59262949-4AF2-4D88-BEF2-E0EFE172A0C4}" type="datetimeFigureOut">
               <a:rPr lang="en-GB" smtClean="0"/>
-              <a:t>14/11/2012</a:t>
+              <a:t>30/04/2013</a:t>
             </a:fld>
             <a:endParaRPr lang="en-GB"/>
           </a:p>
@@ -1382,7 +1383,7 @@
           <a:bodyPr/>
           <a:lstStyle/>
           <a:p>
-            <a:fld id="{FDE57184-8609-454A-B644-07380227FCE6}" type="slidenum">
+            <a:fld id="{D996A88B-5D79-498D-A36E-5EBF62D03CD6}" type="slidenum">
               <a:rPr lang="en-GB" smtClean="0"/>
               <a:t>‹#›</a:t>
             </a:fld>
@@ -1393,7 +1394,7 @@
     </p:spTree>
     <p:extLst>
       <p:ext uri="{BB962C8B-B14F-4D97-AF65-F5344CB8AC3E}">
-        <p14:creationId xmlns:p14="http://schemas.microsoft.com/office/powerpoint/2010/main" val="2420343240"/>
+        <p14:creationId xmlns:p14="http://schemas.microsoft.com/office/powerpoint/2010/main" val="2728873081"/>
       </p:ext>
     </p:extLst>
   </p:cSld>
@@ -1762,9 +1763,9 @@
           <a:bodyPr/>
           <a:lstStyle/>
           <a:p>
-            <a:fld id="{9599ACC1-C4B1-40B1-9C13-3E4FD50214C5}" type="datetimeFigureOut">
+            <a:fld id="{59262949-4AF2-4D88-BEF2-E0EFE172A0C4}" type="datetimeFigureOut">
               <a:rPr lang="en-GB" smtClean="0"/>
-              <a:t>14/11/2012</a:t>
+              <a:t>30/04/2013</a:t>
             </a:fld>
             <a:endParaRPr lang="en-GB"/>
           </a:p>
@@ -1804,7 +1805,7 @@
           <a:bodyPr/>
           <a:lstStyle/>
           <a:p>
-            <a:fld id="{FDE57184-8609-454A-B644-07380227FCE6}" type="slidenum">
+            <a:fld id="{D996A88B-5D79-498D-A36E-5EBF62D03CD6}" type="slidenum">
               <a:rPr lang="en-GB" smtClean="0"/>
               <a:t>‹#›</a:t>
             </a:fld>
@@ -1815,7 +1816,7 @@
     </p:spTree>
     <p:extLst>
       <p:ext uri="{BB962C8B-B14F-4D97-AF65-F5344CB8AC3E}">
-        <p14:creationId xmlns:p14="http://schemas.microsoft.com/office/powerpoint/2010/main" val="404454960"/>
+        <p14:creationId xmlns:p14="http://schemas.microsoft.com/office/powerpoint/2010/main" val="824662210"/>
       </p:ext>
     </p:extLst>
   </p:cSld>
@@ -1880,9 +1881,9 @@
           <a:bodyPr/>
           <a:lstStyle/>
           <a:p>
-            <a:fld id="{9599ACC1-C4B1-40B1-9C13-3E4FD50214C5}" type="datetimeFigureOut">
+            <a:fld id="{59262949-4AF2-4D88-BEF2-E0EFE172A0C4}" type="datetimeFigureOut">
               <a:rPr lang="en-GB" smtClean="0"/>
-              <a:t>14/11/2012</a:t>
+              <a:t>30/04/2013</a:t>
             </a:fld>
             <a:endParaRPr lang="en-GB"/>
           </a:p>
@@ -1922,7 +1923,7 @@
           <a:bodyPr/>
           <a:lstStyle/>
           <a:p>
-            <a:fld id="{FDE57184-8609-454A-B644-07380227FCE6}" type="slidenum">
+            <a:fld id="{D996A88B-5D79-498D-A36E-5EBF62D03CD6}" type="slidenum">
               <a:rPr lang="en-GB" smtClean="0"/>
               <a:t>‹#›</a:t>
             </a:fld>
@@ -1933,7 +1934,7 @@
     </p:spTree>
     <p:extLst>
       <p:ext uri="{BB962C8B-B14F-4D97-AF65-F5344CB8AC3E}">
-        <p14:creationId xmlns:p14="http://schemas.microsoft.com/office/powerpoint/2010/main" val="684954410"/>
+        <p14:creationId xmlns:p14="http://schemas.microsoft.com/office/powerpoint/2010/main" val="570396701"/>
       </p:ext>
     </p:extLst>
   </p:cSld>
@@ -1975,9 +1976,9 @@
           <a:bodyPr/>
           <a:lstStyle/>
           <a:p>
-            <a:fld id="{9599ACC1-C4B1-40B1-9C13-3E4FD50214C5}" type="datetimeFigureOut">
+            <a:fld id="{59262949-4AF2-4D88-BEF2-E0EFE172A0C4}" type="datetimeFigureOut">
               <a:rPr lang="en-GB" smtClean="0"/>
-              <a:t>14/11/2012</a:t>
+              <a:t>30/04/2013</a:t>
             </a:fld>
             <a:endParaRPr lang="en-GB"/>
           </a:p>
@@ -2017,7 +2018,7 @@
           <a:bodyPr/>
           <a:lstStyle/>
           <a:p>
-            <a:fld id="{FDE57184-8609-454A-B644-07380227FCE6}" type="slidenum">
+            <a:fld id="{D996A88B-5D79-498D-A36E-5EBF62D03CD6}" type="slidenum">
               <a:rPr lang="en-GB" smtClean="0"/>
               <a:t>‹#›</a:t>
             </a:fld>
@@ -2028,7 +2029,7 @@
     </p:spTree>
     <p:extLst>
       <p:ext uri="{BB962C8B-B14F-4D97-AF65-F5344CB8AC3E}">
-        <p14:creationId xmlns:p14="http://schemas.microsoft.com/office/powerpoint/2010/main" val="176829048"/>
+        <p14:creationId xmlns:p14="http://schemas.microsoft.com/office/powerpoint/2010/main" val="4163775071"/>
       </p:ext>
     </p:extLst>
   </p:cSld>
@@ -2252,9 +2253,9 @@
           <a:bodyPr/>
           <a:lstStyle/>
           <a:p>
-            <a:fld id="{9599ACC1-C4B1-40B1-9C13-3E4FD50214C5}" type="datetimeFigureOut">
+            <a:fld id="{59262949-4AF2-4D88-BEF2-E0EFE172A0C4}" type="datetimeFigureOut">
               <a:rPr lang="en-GB" smtClean="0"/>
-              <a:t>14/11/2012</a:t>
+              <a:t>30/04/2013</a:t>
             </a:fld>
             <a:endParaRPr lang="en-GB"/>
           </a:p>
@@ -2294,7 +2295,7 @@
           <a:bodyPr/>
           <a:lstStyle/>
           <a:p>
-            <a:fld id="{FDE57184-8609-454A-B644-07380227FCE6}" type="slidenum">
+            <a:fld id="{D996A88B-5D79-498D-A36E-5EBF62D03CD6}" type="slidenum">
               <a:rPr lang="en-GB" smtClean="0"/>
               <a:t>‹#›</a:t>
             </a:fld>
@@ -2305,7 +2306,7 @@
     </p:spTree>
     <p:extLst>
       <p:ext uri="{BB962C8B-B14F-4D97-AF65-F5344CB8AC3E}">
-        <p14:creationId xmlns:p14="http://schemas.microsoft.com/office/powerpoint/2010/main" val="4280177510"/>
+        <p14:creationId xmlns:p14="http://schemas.microsoft.com/office/powerpoint/2010/main" val="102752772"/>
       </p:ext>
     </p:extLst>
   </p:cSld>
@@ -2505,9 +2506,9 @@
           <a:bodyPr/>
           <a:lstStyle/>
           <a:p>
-            <a:fld id="{9599ACC1-C4B1-40B1-9C13-3E4FD50214C5}" type="datetimeFigureOut">
+            <a:fld id="{59262949-4AF2-4D88-BEF2-E0EFE172A0C4}" type="datetimeFigureOut">
               <a:rPr lang="en-GB" smtClean="0"/>
-              <a:t>14/11/2012</a:t>
+              <a:t>30/04/2013</a:t>
             </a:fld>
             <a:endParaRPr lang="en-GB"/>
           </a:p>
@@ -2547,7 +2548,7 @@
           <a:bodyPr/>
           <a:lstStyle/>
           <a:p>
-            <a:fld id="{FDE57184-8609-454A-B644-07380227FCE6}" type="slidenum">
+            <a:fld id="{D996A88B-5D79-498D-A36E-5EBF62D03CD6}" type="slidenum">
               <a:rPr lang="en-GB" smtClean="0"/>
               <a:t>‹#›</a:t>
             </a:fld>
@@ -2558,7 +2559,7 @@
     </p:spTree>
     <p:extLst>
       <p:ext uri="{BB962C8B-B14F-4D97-AF65-F5344CB8AC3E}">
-        <p14:creationId xmlns:p14="http://schemas.microsoft.com/office/powerpoint/2010/main" val="3985948861"/>
+        <p14:creationId xmlns:p14="http://schemas.microsoft.com/office/powerpoint/2010/main" val="1509476334"/>
       </p:ext>
     </p:extLst>
   </p:cSld>
@@ -2718,9 +2719,9 @@
             </a:lvl1pPr>
           </a:lstStyle>
           <a:p>
-            <a:fld id="{9599ACC1-C4B1-40B1-9C13-3E4FD50214C5}" type="datetimeFigureOut">
+            <a:fld id="{59262949-4AF2-4D88-BEF2-E0EFE172A0C4}" type="datetimeFigureOut">
               <a:rPr lang="en-GB" smtClean="0"/>
-              <a:t>14/11/2012</a:t>
+              <a:t>30/04/2013</a:t>
             </a:fld>
             <a:endParaRPr lang="en-GB"/>
           </a:p>
@@ -2796,7 +2797,7 @@
             </a:lvl1pPr>
           </a:lstStyle>
           <a:p>
-            <a:fld id="{FDE57184-8609-454A-B644-07380227FCE6}" type="slidenum">
+            <a:fld id="{D996A88B-5D79-498D-A36E-5EBF62D03CD6}" type="slidenum">
               <a:rPr lang="en-GB" smtClean="0"/>
               <a:t>‹#›</a:t>
             </a:fld>
@@ -2807,7 +2808,7 @@
     </p:spTree>
     <p:extLst>
       <p:ext uri="{BB962C8B-B14F-4D97-AF65-F5344CB8AC3E}">
-        <p14:creationId xmlns:p14="http://schemas.microsoft.com/office/powerpoint/2010/main" val="3099564062"/>
+        <p14:creationId xmlns:p14="http://schemas.microsoft.com/office/powerpoint/2010/main" val="1669269737"/>
       </p:ext>
     </p:extLst>
   </p:cSld>
@@ -3097,14 +3098,341 @@
       </p:grpSpPr>
       <p:sp>
         <p:nvSpPr>
-          <p:cNvPr id="6" name="Rectangle 5"/>
+          <p:cNvPr id="30" name="Rectangle 29"/>
+          <p:cNvSpPr>
+            <a:spLocks noChangeAspect="1"/>
+          </p:cNvSpPr>
+          <p:nvPr/>
+        </p:nvSpPr>
+        <p:spPr>
+          <a:xfrm rot="660000">
+            <a:off x="6708238" y="4138862"/>
+            <a:ext cx="914400" cy="914400"/>
+          </a:xfrm>
+          <a:prstGeom prst="rect">
+            <a:avLst/>
+          </a:prstGeom>
+          <a:solidFill>
+            <a:srgbClr val="00B050"/>
+          </a:solidFill>
+          <a:ln>
+            <a:noFill/>
+          </a:ln>
+          <a:scene3d>
+            <a:camera prst="orthographicFront"/>
+            <a:lightRig rig="twoPt" dir="t"/>
+          </a:scene3d>
+          <a:sp3d>
+            <a:bevelT/>
+          </a:sp3d>
+        </p:spPr>
+        <p:style>
+          <a:lnRef idx="2">
+            <a:schemeClr val="accent1">
+              <a:shade val="50000"/>
+            </a:schemeClr>
+          </a:lnRef>
+          <a:fillRef idx="1">
+            <a:schemeClr val="accent1"/>
+          </a:fillRef>
+          <a:effectRef idx="0">
+            <a:schemeClr val="accent1"/>
+          </a:effectRef>
+          <a:fontRef idx="minor">
+            <a:schemeClr val="lt1"/>
+          </a:fontRef>
+        </p:style>
+        <p:txBody>
+          <a:bodyPr rtlCol="0" anchor="ctr"/>
+          <a:lstStyle/>
+          <a:p>
+            <a:pPr algn="ctr"/>
+            <a:endParaRPr lang="en-GB"/>
+          </a:p>
+        </p:txBody>
+      </p:sp>
+      <p:sp>
+        <p:nvSpPr>
+          <p:cNvPr id="29" name="Rectangle 28"/>
+          <p:cNvSpPr>
+            <a:spLocks noChangeAspect="1"/>
+          </p:cNvSpPr>
+          <p:nvPr/>
+        </p:nvSpPr>
+        <p:spPr>
+          <a:xfrm rot="660000">
+            <a:off x="6245762" y="4144338"/>
+            <a:ext cx="914400" cy="914400"/>
+          </a:xfrm>
+          <a:prstGeom prst="rect">
+            <a:avLst/>
+          </a:prstGeom>
+          <a:solidFill>
+            <a:srgbClr val="FFC000"/>
+          </a:solidFill>
+          <a:ln>
+            <a:noFill/>
+          </a:ln>
+          <a:scene3d>
+            <a:camera prst="orthographicFront"/>
+            <a:lightRig rig="twoPt" dir="t"/>
+          </a:scene3d>
+          <a:sp3d>
+            <a:bevelT/>
+          </a:sp3d>
+        </p:spPr>
+        <p:style>
+          <a:lnRef idx="2">
+            <a:schemeClr val="accent1">
+              <a:shade val="50000"/>
+            </a:schemeClr>
+          </a:lnRef>
+          <a:fillRef idx="1">
+            <a:schemeClr val="accent1"/>
+          </a:fillRef>
+          <a:effectRef idx="0">
+            <a:schemeClr val="accent1"/>
+          </a:effectRef>
+          <a:fontRef idx="minor">
+            <a:schemeClr val="lt1"/>
+          </a:fontRef>
+        </p:style>
+        <p:txBody>
+          <a:bodyPr rtlCol="0" anchor="ctr"/>
+          <a:lstStyle/>
+          <a:p>
+            <a:pPr algn="ctr"/>
+            <a:endParaRPr lang="en-GB"/>
+          </a:p>
+        </p:txBody>
+      </p:sp>
+      <p:sp>
+        <p:nvSpPr>
+          <p:cNvPr id="4" name="Rectangle 3"/>
+          <p:cNvSpPr>
+            <a:spLocks noChangeAspect="1"/>
+          </p:cNvSpPr>
+          <p:nvPr/>
+        </p:nvSpPr>
+        <p:spPr>
+          <a:xfrm rot="487699">
+            <a:off x="1309634" y="927909"/>
+            <a:ext cx="914400" cy="914400"/>
+          </a:xfrm>
+          <a:prstGeom prst="rect">
+            <a:avLst/>
+          </a:prstGeom>
+          <a:ln>
+            <a:noFill/>
+          </a:ln>
+          <a:scene3d>
+            <a:camera prst="orthographicFront"/>
+            <a:lightRig rig="twoPt" dir="t"/>
+          </a:scene3d>
+          <a:sp3d>
+            <a:bevelT/>
+          </a:sp3d>
+        </p:spPr>
+        <p:style>
+          <a:lnRef idx="2">
+            <a:schemeClr val="accent1">
+              <a:shade val="50000"/>
+            </a:schemeClr>
+          </a:lnRef>
+          <a:fillRef idx="1">
+            <a:schemeClr val="accent1"/>
+          </a:fillRef>
+          <a:effectRef idx="0">
+            <a:schemeClr val="accent1"/>
+          </a:effectRef>
+          <a:fontRef idx="minor">
+            <a:schemeClr val="lt1"/>
+          </a:fontRef>
+        </p:style>
+        <p:txBody>
+          <a:bodyPr rtlCol="0" anchor="ctr"/>
+          <a:lstStyle/>
+          <a:p>
+            <a:pPr algn="ctr"/>
+            <a:endParaRPr lang="en-GB"/>
+          </a:p>
+        </p:txBody>
+      </p:sp>
+      <p:sp>
+        <p:nvSpPr>
+          <p:cNvPr id="5" name="Rectangle 4"/>
+          <p:cNvSpPr>
+            <a:spLocks noChangeAspect="1"/>
+          </p:cNvSpPr>
+          <p:nvPr/>
+        </p:nvSpPr>
+        <p:spPr>
+          <a:xfrm rot="404970">
+            <a:off x="2376434" y="927909"/>
+            <a:ext cx="914400" cy="914400"/>
+          </a:xfrm>
+          <a:prstGeom prst="rect">
+            <a:avLst/>
+          </a:prstGeom>
+          <a:solidFill>
+            <a:srgbClr val="C00000"/>
+          </a:solidFill>
+          <a:ln>
+            <a:noFill/>
+          </a:ln>
+          <a:scene3d>
+            <a:camera prst="orthographicFront"/>
+            <a:lightRig rig="twoPt" dir="t"/>
+          </a:scene3d>
+          <a:sp3d>
+            <a:bevelT/>
+          </a:sp3d>
+        </p:spPr>
+        <p:style>
+          <a:lnRef idx="2">
+            <a:schemeClr val="accent1">
+              <a:shade val="50000"/>
+            </a:schemeClr>
+          </a:lnRef>
+          <a:fillRef idx="1">
+            <a:schemeClr val="accent1"/>
+          </a:fillRef>
+          <a:effectRef idx="0">
+            <a:schemeClr val="accent1"/>
+          </a:effectRef>
+          <a:fontRef idx="minor">
+            <a:schemeClr val="lt1"/>
+          </a:fontRef>
+        </p:style>
+        <p:txBody>
+          <a:bodyPr rtlCol="0" anchor="ctr"/>
+          <a:lstStyle/>
+          <a:p>
+            <a:pPr algn="ctr"/>
+            <a:endParaRPr lang="en-GB"/>
+          </a:p>
+        </p:txBody>
+      </p:sp>
+      <p:sp>
+        <p:nvSpPr>
+          <p:cNvPr id="7" name="Rectangle 6"/>
+          <p:cNvSpPr>
+            <a:spLocks noChangeAspect="1"/>
+          </p:cNvSpPr>
+          <p:nvPr/>
+        </p:nvSpPr>
+        <p:spPr>
+          <a:xfrm rot="523622">
+            <a:off x="1309634" y="1994709"/>
+            <a:ext cx="914400" cy="914400"/>
+          </a:xfrm>
+          <a:prstGeom prst="rect">
+            <a:avLst/>
+          </a:prstGeom>
+          <a:solidFill>
+            <a:srgbClr val="FFC000"/>
+          </a:solidFill>
+          <a:ln>
+            <a:noFill/>
+          </a:ln>
+          <a:scene3d>
+            <a:camera prst="orthographicFront"/>
+            <a:lightRig rig="twoPt" dir="t"/>
+          </a:scene3d>
+          <a:sp3d>
+            <a:bevelT/>
+          </a:sp3d>
+        </p:spPr>
+        <p:style>
+          <a:lnRef idx="2">
+            <a:schemeClr val="accent1">
+              <a:shade val="50000"/>
+            </a:schemeClr>
+          </a:lnRef>
+          <a:fillRef idx="1">
+            <a:schemeClr val="accent1"/>
+          </a:fillRef>
+          <a:effectRef idx="0">
+            <a:schemeClr val="accent1"/>
+          </a:effectRef>
+          <a:fontRef idx="minor">
+            <a:schemeClr val="lt1"/>
+          </a:fontRef>
+        </p:style>
+        <p:txBody>
+          <a:bodyPr rtlCol="0" anchor="ctr"/>
+          <a:lstStyle/>
+          <a:p>
+            <a:pPr algn="ctr"/>
+            <a:endParaRPr lang="en-GB"/>
+          </a:p>
+        </p:txBody>
+      </p:sp>
+      <p:sp>
+        <p:nvSpPr>
+          <p:cNvPr id="8" name="Rectangle 7"/>
+          <p:cNvSpPr>
+            <a:spLocks noChangeAspect="1"/>
+          </p:cNvSpPr>
+          <p:nvPr/>
+        </p:nvSpPr>
+        <p:spPr>
+          <a:xfrm rot="471586">
+            <a:off x="2376434" y="1994709"/>
+            <a:ext cx="914400" cy="914400"/>
+          </a:xfrm>
+          <a:prstGeom prst="rect">
+            <a:avLst/>
+          </a:prstGeom>
+          <a:solidFill>
+            <a:srgbClr val="00B050"/>
+          </a:solidFill>
+          <a:ln>
+            <a:noFill/>
+          </a:ln>
+          <a:scene3d>
+            <a:camera prst="orthographicFront"/>
+            <a:lightRig rig="twoPt" dir="t"/>
+          </a:scene3d>
+          <a:sp3d>
+            <a:bevelT/>
+          </a:sp3d>
+        </p:spPr>
+        <p:style>
+          <a:lnRef idx="2">
+            <a:schemeClr val="accent1">
+              <a:shade val="50000"/>
+            </a:schemeClr>
+          </a:lnRef>
+          <a:fillRef idx="1">
+            <a:schemeClr val="accent1"/>
+          </a:fillRef>
+          <a:effectRef idx="0">
+            <a:schemeClr val="accent1"/>
+          </a:effectRef>
+          <a:fontRef idx="minor">
+            <a:schemeClr val="lt1"/>
+          </a:fontRef>
+        </p:style>
+        <p:txBody>
+          <a:bodyPr rtlCol="0" anchor="ctr"/>
+          <a:lstStyle/>
+          <a:p>
+            <a:pPr algn="ctr"/>
+            <a:endParaRPr lang="en-GB"/>
+          </a:p>
+        </p:txBody>
+      </p:sp>
+      <p:sp>
+        <p:nvSpPr>
+          <p:cNvPr id="13" name="Rectangle 12"/>
           <p:cNvSpPr/>
           <p:nvPr/>
         </p:nvSpPr>
         <p:spPr>
           <a:xfrm>
-            <a:off x="611560" y="1268760"/>
-            <a:ext cx="8064896" cy="3170099"/>
+            <a:off x="4835463" y="533400"/>
+            <a:ext cx="1867499" cy="923330"/>
           </a:xfrm>
           <a:prstGeom prst="rect">
             <a:avLst/>
@@ -3112,20 +3440,18 @@
           <a:noFill/>
         </p:spPr>
         <p:txBody>
-          <a:bodyPr wrap="square" lIns="91440" tIns="45720" rIns="91440" bIns="45720">
+          <a:bodyPr wrap="none" lIns="91440" tIns="45720" rIns="91440" bIns="45720">
             <a:spAutoFit/>
             <a:scene3d>
-              <a:camera prst="orthographicFront">
-                <a:rot lat="0" lon="0" rev="0"/>
-              </a:camera>
-              <a:lightRig rig="contrasting" dir="t">
-                <a:rot lat="0" lon="0" rev="4500000"/>
+              <a:camera prst="orthographicFront"/>
+              <a:lightRig rig="flat" dir="tl">
+                <a:rot lat="0" lon="0" rev="6600000"/>
               </a:lightRig>
             </a:scene3d>
-            <a:sp3d contourW="6350" prstMaterial="metal">
-              <a:bevelT w="127000" h="31750" prst="relaxedInset"/>
+            <a:sp3d extrusionH="25400" contourW="8890">
+              <a:bevelT w="38100" h="31750"/>
               <a:contourClr>
-                <a:schemeClr val="accent1">
+                <a:schemeClr val="accent2">
                   <a:shade val="75000"/>
                 </a:schemeClr>
               </a:contourClr>
@@ -3135,114 +3461,1134 @@
           <a:p>
             <a:pPr algn="ctr"/>
             <a:r>
-              <a:rPr lang="en-GB" sz="20000" b="1" cap="all" spc="0" dirty="0" smtClean="0">
-                <a:ln w="0"/>
-                <a:gradFill flip="none">
+              <a:rPr lang="en-US" sz="5400" b="1" cap="none" spc="0" dirty="0" smtClean="0">
+                <a:ln w="11430"/>
+                <a:gradFill>
                   <a:gsLst>
                     <a:gs pos="0">
-                      <a:schemeClr val="accent1">
-                        <a:tint val="75000"/>
-                        <a:shade val="75000"/>
-                        <a:satMod val="170000"/>
+                      <a:schemeClr val="accent2">
+                        <a:tint val="70000"/>
+                        <a:satMod val="245000"/>
                       </a:schemeClr>
                     </a:gs>
-                    <a:gs pos="49000">
-                      <a:schemeClr val="accent1">
-                        <a:tint val="88000"/>
-                        <a:shade val="65000"/>
-                        <a:satMod val="172000"/>
-                      </a:schemeClr>
-                    </a:gs>
-                    <a:gs pos="50000">
-                      <a:schemeClr val="accent1">
-                        <a:shade val="65000"/>
-                        <a:satMod val="130000"/>
-                      </a:schemeClr>
-                    </a:gs>
-                    <a:gs pos="92000">
-                      <a:schemeClr val="accent1">
-                        <a:shade val="50000"/>
-                        <a:satMod val="120000"/>
+                    <a:gs pos="75000">
+                      <a:schemeClr val="accent2">
+                        <a:tint val="90000"/>
+                        <a:shade val="60000"/>
+                        <a:satMod val="240000"/>
                       </a:schemeClr>
                     </a:gs>
                     <a:gs pos="100000">
-                      <a:schemeClr val="accent1">
-                        <a:shade val="48000"/>
-                        <a:satMod val="120000"/>
+                      <a:schemeClr val="accent2">
+                        <a:tint val="100000"/>
+                        <a:shade val="50000"/>
+                        <a:satMod val="240000"/>
                       </a:schemeClr>
                     </a:gs>
                   </a:gsLst>
                   <a:lin ang="5400000"/>
                 </a:gradFill>
                 <a:effectLst>
-                  <a:reflection blurRad="12700" stA="50000" endPos="50000" dist="5000" dir="5400000" sy="-100000" rotWithShape="0"/>
+                  <a:outerShdw blurRad="50800" dist="39000" dir="5460000" algn="tl">
+                    <a:srgbClr val="000000">
+                      <a:alpha val="38000"/>
+                    </a:srgbClr>
+                  </a:outerShdw>
+                  <a:reflection blurRad="6350" stA="50000" endA="300" endPos="50000" dist="29997" dir="5400000" sy="-100000" algn="bl" rotWithShape="0"/>
                 </a:effectLst>
               </a:rPr>
-              <a:t>RSCM</a:t>
-            </a:r>
-            <a:endParaRPr lang="en-GB" sz="20000" b="1" cap="all" spc="0" dirty="0">
-              <a:ln w="0"/>
-              <a:gradFill flip="none">
+              <a:t>R</a:t>
+            </a:r>
+            <a:r>
+              <a:rPr lang="en-US" sz="5400" b="1" cap="none" spc="0" dirty="0" smtClean="0">
+                <a:ln w="11430"/>
+                <a:solidFill>
+                  <a:srgbClr val="FFC000"/>
+                </a:solidFill>
+                <a:effectLst>
+                  <a:outerShdw blurRad="50800" dist="39000" dir="5460000" algn="tl">
+                    <a:srgbClr val="000000">
+                      <a:alpha val="38000"/>
+                    </a:srgbClr>
+                  </a:outerShdw>
+                  <a:reflection blurRad="6350" stA="50000" endA="300" endPos="50000" dist="29997" dir="5400000" sy="-100000" algn="bl" rotWithShape="0"/>
+                </a:effectLst>
+              </a:rPr>
+              <a:t>S</a:t>
+            </a:r>
+            <a:r>
+              <a:rPr lang="en-US" sz="5400" b="1" cap="none" spc="0" dirty="0" smtClean="0">
+                <a:ln w="11430"/>
+                <a:solidFill>
+                  <a:srgbClr val="00B050"/>
+                </a:solidFill>
+                <a:effectLst>
+                  <a:outerShdw blurRad="50800" dist="39000" dir="5460000" algn="tl">
+                    <a:srgbClr val="000000">
+                      <a:alpha val="38000"/>
+                    </a:srgbClr>
+                  </a:outerShdw>
+                  <a:reflection blurRad="6350" stA="50000" endA="300" endPos="50000" dist="29997" dir="5400000" sy="-100000" algn="bl" rotWithShape="0"/>
+                </a:effectLst>
+              </a:rPr>
+              <a:t>C</a:t>
+            </a:r>
+            <a:r>
+              <a:rPr lang="en-US" sz="5400" b="1" cap="none" spc="0" dirty="0" smtClean="0">
+                <a:ln w="11430"/>
+                <a:solidFill>
+                  <a:schemeClr val="accent1"/>
+                </a:solidFill>
+                <a:effectLst>
+                  <a:outerShdw blurRad="50800" dist="39000" dir="5460000" algn="tl">
+                    <a:srgbClr val="000000">
+                      <a:alpha val="38000"/>
+                    </a:srgbClr>
+                  </a:outerShdw>
+                  <a:reflection blurRad="6350" stA="50000" endA="300" endPos="50000" dist="29997" dir="5400000" sy="-100000" algn="bl" rotWithShape="0"/>
+                </a:effectLst>
+              </a:rPr>
+              <a:t>M</a:t>
+            </a:r>
+            <a:endParaRPr lang="en-US" sz="5400" b="1" cap="none" spc="0" dirty="0">
+              <a:ln w="11430"/>
+              <a:solidFill>
+                <a:schemeClr val="accent1"/>
+              </a:solidFill>
+              <a:effectLst>
+                <a:outerShdw blurRad="50800" dist="39000" dir="5460000" algn="tl">
+                  <a:srgbClr val="000000">
+                    <a:alpha val="38000"/>
+                  </a:srgbClr>
+                </a:outerShdw>
+                <a:reflection blurRad="6350" stA="50000" endA="300" endPos="50000" dist="29997" dir="5400000" sy="-100000" algn="bl" rotWithShape="0"/>
+              </a:effectLst>
+            </a:endParaRPr>
+          </a:p>
+        </p:txBody>
+      </p:sp>
+      <p:sp>
+        <p:nvSpPr>
+          <p:cNvPr id="14" name="Rectangle 13"/>
+          <p:cNvSpPr/>
+          <p:nvPr/>
+        </p:nvSpPr>
+        <p:spPr>
+          <a:xfrm>
+            <a:off x="2404670" y="1936346"/>
+            <a:ext cx="857928" cy="1015663"/>
+          </a:xfrm>
+          <a:prstGeom prst="rect">
+            <a:avLst/>
+          </a:prstGeom>
+          <a:noFill/>
+        </p:spPr>
+        <p:txBody>
+          <a:bodyPr wrap="none" lIns="91440" tIns="45720" rIns="91440" bIns="45720">
+            <a:spAutoFit/>
+            <a:scene3d>
+              <a:camera prst="orthographicFront"/>
+              <a:lightRig rig="flat" dir="tl">
+                <a:rot lat="0" lon="0" rev="6600000"/>
+              </a:lightRig>
+            </a:scene3d>
+            <a:sp3d extrusionH="25400" contourW="8890">
+              <a:bevelT w="38100" h="31750"/>
+              <a:contourClr>
+                <a:schemeClr val="accent2">
+                  <a:shade val="75000"/>
+                </a:schemeClr>
+              </a:contourClr>
+            </a:sp3d>
+          </a:bodyPr>
+          <a:lstStyle/>
+          <a:p>
+            <a:pPr algn="ctr"/>
+            <a:r>
+              <a:rPr lang="en-US" sz="6000" b="1" cap="none" spc="0" dirty="0" smtClean="0">
+                <a:ln w="11430"/>
+                <a:solidFill>
+                  <a:schemeClr val="accent1"/>
+                </a:solidFill>
+                <a:effectLst>
+                  <a:outerShdw blurRad="50800" dist="39000" dir="5460000" algn="tl">
+                    <a:srgbClr val="000000">
+                      <a:alpha val="38000"/>
+                    </a:srgbClr>
+                  </a:outerShdw>
+                </a:effectLst>
+              </a:rPr>
+              <a:t>M</a:t>
+            </a:r>
+            <a:endParaRPr lang="en-US" sz="6000" b="1" cap="none" spc="0" dirty="0">
+              <a:ln w="11430"/>
+              <a:solidFill>
+                <a:schemeClr val="accent1"/>
+              </a:solidFill>
+              <a:effectLst>
+                <a:outerShdw blurRad="50800" dist="39000" dir="5460000" algn="tl">
+                  <a:srgbClr val="000000">
+                    <a:alpha val="38000"/>
+                  </a:srgbClr>
+                </a:outerShdw>
+              </a:effectLst>
+            </a:endParaRPr>
+          </a:p>
+        </p:txBody>
+      </p:sp>
+      <p:sp>
+        <p:nvSpPr>
+          <p:cNvPr id="15" name="Rectangle 14"/>
+          <p:cNvSpPr/>
+          <p:nvPr/>
+        </p:nvSpPr>
+        <p:spPr>
+          <a:xfrm rot="91945">
+            <a:off x="1470301" y="1936264"/>
+            <a:ext cx="591830" cy="1015663"/>
+          </a:xfrm>
+          <a:prstGeom prst="rect">
+            <a:avLst/>
+          </a:prstGeom>
+          <a:noFill/>
+        </p:spPr>
+        <p:txBody>
+          <a:bodyPr wrap="none" lIns="91440" tIns="45720" rIns="91440" bIns="45720">
+            <a:spAutoFit/>
+            <a:scene3d>
+              <a:camera prst="orthographicFront"/>
+              <a:lightRig rig="flat" dir="tl">
+                <a:rot lat="0" lon="0" rev="6600000"/>
+              </a:lightRig>
+            </a:scene3d>
+            <a:sp3d extrusionH="25400" contourW="8890">
+              <a:bevelT w="38100" h="31750"/>
+              <a:contourClr>
+                <a:schemeClr val="accent2">
+                  <a:shade val="75000"/>
+                </a:schemeClr>
+              </a:contourClr>
+            </a:sp3d>
+          </a:bodyPr>
+          <a:lstStyle/>
+          <a:p>
+            <a:pPr algn="ctr"/>
+            <a:r>
+              <a:rPr lang="en-US" sz="6000" b="1" cap="none" spc="0" dirty="0" smtClean="0">
+                <a:ln w="11430"/>
+                <a:solidFill>
+                  <a:srgbClr val="00B050"/>
+                </a:solidFill>
+                <a:effectLst>
+                  <a:outerShdw blurRad="50800" dist="39000" dir="5460000" algn="tl">
+                    <a:srgbClr val="000000">
+                      <a:alpha val="38000"/>
+                    </a:srgbClr>
+                  </a:outerShdw>
+                </a:effectLst>
+              </a:rPr>
+              <a:t>C</a:t>
+            </a:r>
+            <a:endParaRPr lang="en-US" sz="6000" b="1" cap="none" spc="0" dirty="0">
+              <a:ln w="11430"/>
+              <a:solidFill>
+                <a:srgbClr val="00B050"/>
+              </a:solidFill>
+              <a:effectLst>
+                <a:outerShdw blurRad="50800" dist="39000" dir="5460000" algn="tl">
+                  <a:srgbClr val="000000">
+                    <a:alpha val="38000"/>
+                  </a:srgbClr>
+                </a:outerShdw>
+              </a:effectLst>
+            </a:endParaRPr>
+          </a:p>
+        </p:txBody>
+      </p:sp>
+      <p:sp>
+        <p:nvSpPr>
+          <p:cNvPr id="16" name="Rectangle 15"/>
+          <p:cNvSpPr/>
+          <p:nvPr/>
+        </p:nvSpPr>
+        <p:spPr>
+          <a:xfrm rot="21565720">
+            <a:off x="2559359" y="863882"/>
+            <a:ext cx="548548" cy="1015663"/>
+          </a:xfrm>
+          <a:prstGeom prst="rect">
+            <a:avLst/>
+          </a:prstGeom>
+          <a:noFill/>
+        </p:spPr>
+        <p:txBody>
+          <a:bodyPr wrap="none" lIns="91440" tIns="45720" rIns="91440" bIns="45720">
+            <a:spAutoFit/>
+            <a:scene3d>
+              <a:camera prst="orthographicFront"/>
+              <a:lightRig rig="flat" dir="tl">
+                <a:rot lat="0" lon="0" rev="6600000"/>
+              </a:lightRig>
+            </a:scene3d>
+            <a:sp3d extrusionH="25400" contourW="8890">
+              <a:bevelT w="38100" h="31750"/>
+              <a:contourClr>
+                <a:schemeClr val="accent2">
+                  <a:shade val="75000"/>
+                </a:schemeClr>
+              </a:contourClr>
+            </a:sp3d>
+          </a:bodyPr>
+          <a:lstStyle/>
+          <a:p>
+            <a:pPr algn="ctr"/>
+            <a:r>
+              <a:rPr lang="en-US" sz="6000" b="1" cap="none" spc="0" dirty="0" smtClean="0">
+                <a:ln w="11430"/>
+                <a:solidFill>
+                  <a:srgbClr val="FFC000"/>
+                </a:solidFill>
+                <a:effectLst>
+                  <a:outerShdw blurRad="50800" dist="39000" dir="5460000" algn="tl">
+                    <a:srgbClr val="000000">
+                      <a:alpha val="38000"/>
+                    </a:srgbClr>
+                  </a:outerShdw>
+                </a:effectLst>
+              </a:rPr>
+              <a:t>S</a:t>
+            </a:r>
+            <a:endParaRPr lang="en-US" sz="6000" b="1" cap="none" spc="0" dirty="0">
+              <a:ln w="11430"/>
+              <a:solidFill>
+                <a:srgbClr val="FFC000"/>
+              </a:solidFill>
+              <a:effectLst>
+                <a:outerShdw blurRad="50800" dist="39000" dir="5460000" algn="tl">
+                  <a:srgbClr val="000000">
+                    <a:alpha val="38000"/>
+                  </a:srgbClr>
+                </a:outerShdw>
+              </a:effectLst>
+            </a:endParaRPr>
+          </a:p>
+        </p:txBody>
+      </p:sp>
+      <p:sp>
+        <p:nvSpPr>
+          <p:cNvPr id="17" name="Rectangle 16"/>
+          <p:cNvSpPr/>
+          <p:nvPr/>
+        </p:nvSpPr>
+        <p:spPr>
+          <a:xfrm rot="21599781">
+            <a:off x="1458096" y="877475"/>
+            <a:ext cx="617477" cy="1015663"/>
+          </a:xfrm>
+          <a:prstGeom prst="rect">
+            <a:avLst/>
+          </a:prstGeom>
+          <a:noFill/>
+        </p:spPr>
+        <p:txBody>
+          <a:bodyPr wrap="none" lIns="91440" tIns="45720" rIns="91440" bIns="45720">
+            <a:spAutoFit/>
+            <a:scene3d>
+              <a:camera prst="orthographicFront"/>
+              <a:lightRig rig="flat" dir="tl">
+                <a:rot lat="0" lon="0" rev="6600000"/>
+              </a:lightRig>
+            </a:scene3d>
+            <a:sp3d extrusionH="25400" contourW="8890">
+              <a:bevelT w="38100" h="31750"/>
+              <a:contourClr>
+                <a:schemeClr val="accent2">
+                  <a:shade val="75000"/>
+                </a:schemeClr>
+              </a:contourClr>
+            </a:sp3d>
+          </a:bodyPr>
+          <a:lstStyle/>
+          <a:p>
+            <a:pPr algn="ctr"/>
+            <a:r>
+              <a:rPr lang="en-US" sz="6000" b="1" cap="none" spc="0" dirty="0" smtClean="0">
+                <a:ln w="11430"/>
+                <a:gradFill>
+                  <a:gsLst>
+                    <a:gs pos="0">
+                      <a:schemeClr val="accent2">
+                        <a:tint val="70000"/>
+                        <a:satMod val="245000"/>
+                      </a:schemeClr>
+                    </a:gs>
+                    <a:gs pos="75000">
+                      <a:schemeClr val="accent2">
+                        <a:tint val="90000"/>
+                        <a:shade val="60000"/>
+                        <a:satMod val="240000"/>
+                      </a:schemeClr>
+                    </a:gs>
+                    <a:gs pos="100000">
+                      <a:schemeClr val="accent2">
+                        <a:tint val="100000"/>
+                        <a:shade val="50000"/>
+                        <a:satMod val="240000"/>
+                      </a:schemeClr>
+                    </a:gs>
+                  </a:gsLst>
+                  <a:lin ang="5400000"/>
+                </a:gradFill>
+                <a:effectLst>
+                  <a:outerShdw blurRad="50800" dist="39000" dir="5460000" algn="tl">
+                    <a:srgbClr val="000000">
+                      <a:alpha val="38000"/>
+                    </a:srgbClr>
+                  </a:outerShdw>
+                </a:effectLst>
+              </a:rPr>
+              <a:t>R</a:t>
+            </a:r>
+            <a:endParaRPr lang="en-US" sz="6000" b="1" cap="none" spc="0" dirty="0">
+              <a:ln w="11430"/>
+              <a:gradFill>
                 <a:gsLst>
                   <a:gs pos="0">
-                    <a:schemeClr val="accent1">
-                      <a:tint val="75000"/>
-                      <a:shade val="75000"/>
-                      <a:satMod val="170000"/>
+                    <a:schemeClr val="accent2">
+                      <a:tint val="70000"/>
+                      <a:satMod val="245000"/>
                     </a:schemeClr>
                   </a:gs>
-                  <a:gs pos="49000">
-                    <a:schemeClr val="accent1">
-                      <a:tint val="88000"/>
-                      <a:shade val="65000"/>
-                      <a:satMod val="172000"/>
-                    </a:schemeClr>
-                  </a:gs>
-                  <a:gs pos="50000">
-                    <a:schemeClr val="accent1">
-                      <a:shade val="65000"/>
-                      <a:satMod val="130000"/>
-                    </a:schemeClr>
-                  </a:gs>
-                  <a:gs pos="92000">
-                    <a:schemeClr val="accent1">
-                      <a:shade val="50000"/>
-                      <a:satMod val="120000"/>
+                  <a:gs pos="75000">
+                    <a:schemeClr val="accent2">
+                      <a:tint val="90000"/>
+                      <a:shade val="60000"/>
+                      <a:satMod val="240000"/>
                     </a:schemeClr>
                   </a:gs>
                   <a:gs pos="100000">
-                    <a:schemeClr val="accent1">
-                      <a:shade val="48000"/>
-                      <a:satMod val="120000"/>
+                    <a:schemeClr val="accent2">
+                      <a:tint val="100000"/>
+                      <a:shade val="50000"/>
+                      <a:satMod val="240000"/>
                     </a:schemeClr>
                   </a:gs>
                 </a:gsLst>
                 <a:lin ang="5400000"/>
               </a:gradFill>
               <a:effectLst>
-                <a:reflection blurRad="12700" stA="50000" endPos="50000" dist="5000" dir="5400000" sy="-100000" rotWithShape="0"/>
+                <a:outerShdw blurRad="50800" dist="39000" dir="5460000" algn="tl">
+                  <a:srgbClr val="000000">
+                    <a:alpha val="38000"/>
+                  </a:srgbClr>
+                </a:outerShdw>
               </a:effectLst>
             </a:endParaRPr>
+          </a:p>
+        </p:txBody>
+      </p:sp>
+      <p:sp>
+        <p:nvSpPr>
+          <p:cNvPr id="18" name="Rectangle 17"/>
+          <p:cNvSpPr/>
+          <p:nvPr/>
+        </p:nvSpPr>
+        <p:spPr>
+          <a:xfrm>
+            <a:off x="4355256" y="2089302"/>
+            <a:ext cx="1305486" cy="646331"/>
+          </a:xfrm>
+          <a:prstGeom prst="rect">
+            <a:avLst/>
+          </a:prstGeom>
+          <a:noFill/>
+          <a:effectLst>
+            <a:reflection blurRad="6350" stA="50000" endA="300" endPos="38500" dist="50800" dir="5400000" sy="-100000" algn="bl" rotWithShape="0"/>
+          </a:effectLst>
+        </p:spPr>
+        <p:txBody>
+          <a:bodyPr wrap="none" lIns="91440" tIns="45720" rIns="91440" bIns="45720">
+            <a:spAutoFit/>
+            <a:scene3d>
+              <a:camera prst="orthographicFront"/>
+              <a:lightRig rig="flat" dir="tl">
+                <a:rot lat="0" lon="0" rev="6600000"/>
+              </a:lightRig>
+            </a:scene3d>
+            <a:sp3d extrusionH="25400" contourW="8890">
+              <a:bevelT w="38100" h="31750"/>
+              <a:contourClr>
+                <a:schemeClr val="accent2">
+                  <a:shade val="75000"/>
+                </a:schemeClr>
+              </a:contourClr>
+            </a:sp3d>
+          </a:bodyPr>
+          <a:lstStyle/>
+          <a:p>
+            <a:pPr algn="ctr"/>
+            <a:r>
+              <a:rPr lang="en-US" sz="3600" b="1" cap="none" spc="0" dirty="0" smtClean="0">
+                <a:ln w="11430"/>
+                <a:gradFill>
+                  <a:gsLst>
+                    <a:gs pos="0">
+                      <a:schemeClr val="accent2">
+                        <a:tint val="70000"/>
+                        <a:satMod val="245000"/>
+                      </a:schemeClr>
+                    </a:gs>
+                    <a:gs pos="75000">
+                      <a:schemeClr val="accent2">
+                        <a:tint val="90000"/>
+                        <a:shade val="60000"/>
+                        <a:satMod val="240000"/>
+                      </a:schemeClr>
+                    </a:gs>
+                    <a:gs pos="100000">
+                      <a:schemeClr val="accent2">
+                        <a:tint val="100000"/>
+                        <a:shade val="50000"/>
+                        <a:satMod val="240000"/>
+                      </a:schemeClr>
+                    </a:gs>
+                  </a:gsLst>
+                  <a:lin ang="5400000"/>
+                </a:gradFill>
+                <a:effectLst>
+                  <a:outerShdw blurRad="50800" dist="39000" dir="5460000" algn="tl">
+                    <a:srgbClr val="000000">
+                      <a:alpha val="38000"/>
+                    </a:srgbClr>
+                  </a:outerShdw>
+                  <a:reflection blurRad="6350" stA="50000" endA="300" endPos="50000" dist="29997" dir="5400000" sy="-100000" algn="bl" rotWithShape="0"/>
+                </a:effectLst>
+              </a:rPr>
+              <a:t>R</a:t>
+            </a:r>
+            <a:r>
+              <a:rPr lang="en-US" sz="3600" b="1" cap="none" spc="0" dirty="0" smtClean="0">
+                <a:ln w="11430"/>
+                <a:solidFill>
+                  <a:srgbClr val="FFC000"/>
+                </a:solidFill>
+                <a:effectLst>
+                  <a:outerShdw blurRad="50800" dist="39000" dir="5460000" algn="tl">
+                    <a:srgbClr val="000000">
+                      <a:alpha val="38000"/>
+                    </a:srgbClr>
+                  </a:outerShdw>
+                  <a:reflection blurRad="6350" stA="50000" endA="300" endPos="50000" dist="29997" dir="5400000" sy="-100000" algn="bl" rotWithShape="0"/>
+                </a:effectLst>
+              </a:rPr>
+              <a:t>S</a:t>
+            </a:r>
+            <a:r>
+              <a:rPr lang="en-US" sz="3600" b="1" cap="none" spc="0" dirty="0" smtClean="0">
+                <a:ln w="11430"/>
+                <a:solidFill>
+                  <a:srgbClr val="00B050"/>
+                </a:solidFill>
+                <a:effectLst>
+                  <a:outerShdw blurRad="50800" dist="39000" dir="5460000" algn="tl">
+                    <a:srgbClr val="000000">
+                      <a:alpha val="38000"/>
+                    </a:srgbClr>
+                  </a:outerShdw>
+                  <a:reflection blurRad="6350" stA="50000" endA="300" endPos="50000" dist="29997" dir="5400000" sy="-100000" algn="bl" rotWithShape="0"/>
+                </a:effectLst>
+              </a:rPr>
+              <a:t>C</a:t>
+            </a:r>
+            <a:r>
+              <a:rPr lang="en-US" sz="3600" b="1" cap="none" spc="0" dirty="0" smtClean="0">
+                <a:ln w="11430"/>
+                <a:solidFill>
+                  <a:schemeClr val="accent1"/>
+                </a:solidFill>
+                <a:effectLst>
+                  <a:outerShdw blurRad="50800" dist="39000" dir="5460000" algn="tl">
+                    <a:srgbClr val="000000">
+                      <a:alpha val="38000"/>
+                    </a:srgbClr>
+                  </a:outerShdw>
+                  <a:reflection blurRad="6350" stA="50000" endA="300" endPos="50000" dist="29997" dir="5400000" sy="-100000" algn="bl" rotWithShape="0"/>
+                </a:effectLst>
+              </a:rPr>
+              <a:t>M</a:t>
+            </a:r>
+            <a:endParaRPr lang="en-US" sz="3600" b="1" cap="none" spc="0" dirty="0">
+              <a:ln w="11430"/>
+              <a:solidFill>
+                <a:schemeClr val="accent1"/>
+              </a:solidFill>
+              <a:effectLst>
+                <a:outerShdw blurRad="50800" dist="39000" dir="5460000" algn="tl">
+                  <a:srgbClr val="000000">
+                    <a:alpha val="38000"/>
+                  </a:srgbClr>
+                </a:outerShdw>
+                <a:reflection blurRad="6350" stA="50000" endA="300" endPos="50000" dist="29997" dir="5400000" sy="-100000" algn="bl" rotWithShape="0"/>
+              </a:effectLst>
+            </a:endParaRPr>
+          </a:p>
+        </p:txBody>
+      </p:sp>
+      <p:sp>
+        <p:nvSpPr>
+          <p:cNvPr id="19" name="Rectangle 18"/>
+          <p:cNvSpPr>
+            <a:spLocks noChangeAspect="1"/>
+          </p:cNvSpPr>
+          <p:nvPr/>
+        </p:nvSpPr>
+        <p:spPr>
+          <a:xfrm>
+            <a:off x="914400" y="4343400"/>
+            <a:ext cx="914400" cy="914400"/>
+          </a:xfrm>
+          <a:prstGeom prst="rect">
+            <a:avLst/>
+          </a:prstGeom>
+          <a:ln>
+            <a:noFill/>
+          </a:ln>
+          <a:scene3d>
+            <a:camera prst="orthographicFront"/>
+            <a:lightRig rig="twoPt" dir="t"/>
+          </a:scene3d>
+          <a:sp3d>
+            <a:bevelT/>
+          </a:sp3d>
+        </p:spPr>
+        <p:style>
+          <a:lnRef idx="2">
+            <a:schemeClr val="accent1">
+              <a:shade val="50000"/>
+            </a:schemeClr>
+          </a:lnRef>
+          <a:fillRef idx="1">
+            <a:schemeClr val="accent1"/>
+          </a:fillRef>
+          <a:effectRef idx="0">
+            <a:schemeClr val="accent1"/>
+          </a:effectRef>
+          <a:fontRef idx="minor">
+            <a:schemeClr val="lt1"/>
+          </a:fontRef>
+        </p:style>
+        <p:txBody>
+          <a:bodyPr rtlCol="0" anchor="ctr"/>
+          <a:lstStyle/>
+          <a:p>
+            <a:pPr algn="ctr"/>
+            <a:endParaRPr lang="en-GB"/>
+          </a:p>
+        </p:txBody>
+      </p:sp>
+      <p:sp>
+        <p:nvSpPr>
+          <p:cNvPr id="20" name="Rectangle 19"/>
+          <p:cNvSpPr>
+            <a:spLocks noChangeAspect="1"/>
+          </p:cNvSpPr>
+          <p:nvPr/>
+        </p:nvSpPr>
+        <p:spPr>
+          <a:xfrm>
+            <a:off x="1836980" y="4343400"/>
+            <a:ext cx="914400" cy="914400"/>
+          </a:xfrm>
+          <a:prstGeom prst="rect">
+            <a:avLst/>
+          </a:prstGeom>
+          <a:solidFill>
+            <a:srgbClr val="C00000"/>
+          </a:solidFill>
+          <a:ln>
+            <a:noFill/>
+          </a:ln>
+          <a:scene3d>
+            <a:camera prst="orthographicFront"/>
+            <a:lightRig rig="twoPt" dir="t"/>
+          </a:scene3d>
+          <a:sp3d>
+            <a:bevelT/>
+          </a:sp3d>
+        </p:spPr>
+        <p:style>
+          <a:lnRef idx="2">
+            <a:schemeClr val="accent1">
+              <a:shade val="50000"/>
+            </a:schemeClr>
+          </a:lnRef>
+          <a:fillRef idx="1">
+            <a:schemeClr val="accent1"/>
+          </a:fillRef>
+          <a:effectRef idx="0">
+            <a:schemeClr val="accent1"/>
+          </a:effectRef>
+          <a:fontRef idx="minor">
+            <a:schemeClr val="lt1"/>
+          </a:fontRef>
+        </p:style>
+        <p:txBody>
+          <a:bodyPr rtlCol="0" anchor="ctr"/>
+          <a:lstStyle/>
+          <a:p>
+            <a:pPr algn="ctr"/>
+            <a:endParaRPr lang="en-GB"/>
+          </a:p>
+        </p:txBody>
+      </p:sp>
+      <p:sp>
+        <p:nvSpPr>
+          <p:cNvPr id="21" name="Rectangle 20"/>
+          <p:cNvSpPr>
+            <a:spLocks noChangeAspect="1"/>
+          </p:cNvSpPr>
+          <p:nvPr/>
+        </p:nvSpPr>
+        <p:spPr>
+          <a:xfrm>
+            <a:off x="914400" y="5257800"/>
+            <a:ext cx="914400" cy="914400"/>
+          </a:xfrm>
+          <a:prstGeom prst="rect">
+            <a:avLst/>
+          </a:prstGeom>
+          <a:solidFill>
+            <a:srgbClr val="FFC000"/>
+          </a:solidFill>
+          <a:ln>
+            <a:noFill/>
+          </a:ln>
+          <a:scene3d>
+            <a:camera prst="orthographicFront"/>
+            <a:lightRig rig="twoPt" dir="t"/>
+          </a:scene3d>
+          <a:sp3d>
+            <a:bevelT/>
+          </a:sp3d>
+        </p:spPr>
+        <p:style>
+          <a:lnRef idx="2">
+            <a:schemeClr val="accent1">
+              <a:shade val="50000"/>
+            </a:schemeClr>
+          </a:lnRef>
+          <a:fillRef idx="1">
+            <a:schemeClr val="accent1"/>
+          </a:fillRef>
+          <a:effectRef idx="0">
+            <a:schemeClr val="accent1"/>
+          </a:effectRef>
+          <a:fontRef idx="minor">
+            <a:schemeClr val="lt1"/>
+          </a:fontRef>
+        </p:style>
+        <p:txBody>
+          <a:bodyPr rtlCol="0" anchor="ctr"/>
+          <a:lstStyle/>
+          <a:p>
+            <a:pPr algn="ctr"/>
+            <a:endParaRPr lang="en-GB"/>
+          </a:p>
+        </p:txBody>
+      </p:sp>
+      <p:sp>
+        <p:nvSpPr>
+          <p:cNvPr id="22" name="Rectangle 21"/>
+          <p:cNvSpPr>
+            <a:spLocks noChangeAspect="1"/>
+          </p:cNvSpPr>
+          <p:nvPr/>
+        </p:nvSpPr>
+        <p:spPr>
+          <a:xfrm>
+            <a:off x="1832772" y="5257800"/>
+            <a:ext cx="914400" cy="914400"/>
+          </a:xfrm>
+          <a:prstGeom prst="rect">
+            <a:avLst/>
+          </a:prstGeom>
+          <a:solidFill>
+            <a:srgbClr val="00B050"/>
+          </a:solidFill>
+          <a:ln>
+            <a:noFill/>
+          </a:ln>
+          <a:scene3d>
+            <a:camera prst="orthographicFront"/>
+            <a:lightRig rig="twoPt" dir="t"/>
+          </a:scene3d>
+          <a:sp3d>
+            <a:bevelT/>
+          </a:sp3d>
+        </p:spPr>
+        <p:style>
+          <a:lnRef idx="2">
+            <a:schemeClr val="accent1">
+              <a:shade val="50000"/>
+            </a:schemeClr>
+          </a:lnRef>
+          <a:fillRef idx="1">
+            <a:schemeClr val="accent1"/>
+          </a:fillRef>
+          <a:effectRef idx="0">
+            <a:schemeClr val="accent1"/>
+          </a:effectRef>
+          <a:fontRef idx="minor">
+            <a:schemeClr val="lt1"/>
+          </a:fontRef>
+        </p:style>
+        <p:txBody>
+          <a:bodyPr rtlCol="0" anchor="ctr"/>
+          <a:lstStyle/>
+          <a:p>
+            <a:pPr algn="ctr"/>
+            <a:endParaRPr lang="en-GB"/>
+          </a:p>
+        </p:txBody>
+      </p:sp>
+      <p:sp>
+        <p:nvSpPr>
+          <p:cNvPr id="28" name="Rectangle 27"/>
+          <p:cNvSpPr>
+            <a:spLocks noChangeAspect="1"/>
+          </p:cNvSpPr>
+          <p:nvPr/>
+        </p:nvSpPr>
+        <p:spPr>
+          <a:xfrm rot="660000">
+            <a:off x="5750930" y="4131626"/>
+            <a:ext cx="914400" cy="914400"/>
+          </a:xfrm>
+          <a:prstGeom prst="rect">
+            <a:avLst/>
+          </a:prstGeom>
+          <a:solidFill>
+            <a:srgbClr val="C00000"/>
+          </a:solidFill>
+          <a:ln>
+            <a:noFill/>
+          </a:ln>
+          <a:scene3d>
+            <a:camera prst="orthographicFront"/>
+            <a:lightRig rig="twoPt" dir="t"/>
+          </a:scene3d>
+          <a:sp3d>
+            <a:bevelT/>
+          </a:sp3d>
+        </p:spPr>
+        <p:style>
+          <a:lnRef idx="2">
+            <a:schemeClr val="accent1">
+              <a:shade val="50000"/>
+            </a:schemeClr>
+          </a:lnRef>
+          <a:fillRef idx="1">
+            <a:schemeClr val="accent1"/>
+          </a:fillRef>
+          <a:effectRef idx="0">
+            <a:schemeClr val="accent1"/>
+          </a:effectRef>
+          <a:fontRef idx="minor">
+            <a:schemeClr val="lt1"/>
+          </a:fontRef>
+        </p:style>
+        <p:txBody>
+          <a:bodyPr rtlCol="0" anchor="ctr"/>
+          <a:lstStyle/>
+          <a:p>
+            <a:pPr algn="ctr"/>
+            <a:endParaRPr lang="en-GB"/>
+          </a:p>
+        </p:txBody>
+      </p:sp>
+      <p:sp>
+        <p:nvSpPr>
+          <p:cNvPr id="27" name="Rectangle 26"/>
+          <p:cNvSpPr>
+            <a:spLocks noChangeAspect="1"/>
+          </p:cNvSpPr>
+          <p:nvPr/>
+        </p:nvSpPr>
+        <p:spPr>
+          <a:xfrm rot="648554">
+            <a:off x="5332568" y="4140571"/>
+            <a:ext cx="914400" cy="914400"/>
+          </a:xfrm>
+          <a:prstGeom prst="rect">
+            <a:avLst/>
+          </a:prstGeom>
+          <a:ln>
+            <a:noFill/>
+          </a:ln>
+          <a:scene3d>
+            <a:camera prst="orthographicFront"/>
+            <a:lightRig rig="twoPt" dir="t"/>
+          </a:scene3d>
+          <a:sp3d>
+            <a:bevelT/>
+          </a:sp3d>
+        </p:spPr>
+        <p:style>
+          <a:lnRef idx="2">
+            <a:schemeClr val="accent1">
+              <a:shade val="50000"/>
+            </a:schemeClr>
+          </a:lnRef>
+          <a:fillRef idx="1">
+            <a:schemeClr val="accent1"/>
+          </a:fillRef>
+          <a:effectRef idx="0">
+            <a:schemeClr val="accent1"/>
+          </a:effectRef>
+          <a:fontRef idx="minor">
+            <a:schemeClr val="lt1"/>
+          </a:fontRef>
+        </p:style>
+        <p:txBody>
+          <a:bodyPr rtlCol="0" anchor="ctr"/>
+          <a:lstStyle/>
+          <a:p>
+            <a:pPr algn="ctr"/>
+            <a:endParaRPr lang="en-GB"/>
           </a:p>
         </p:txBody>
       </p:sp>
     </p:spTree>
     <p:extLst>
       <p:ext uri="{BB962C8B-B14F-4D97-AF65-F5344CB8AC3E}">
-        <p14:creationId xmlns:p14="http://schemas.microsoft.com/office/powerpoint/2010/main" val="3903924992"/>
+        <p14:creationId xmlns:p14="http://schemas.microsoft.com/office/powerpoint/2010/main" val="315066184"/>
       </p:ext>
     </p:extLst>
   </p:cSld>
   <p:clrMapOvr>
     <a:masterClrMapping/>
   </p:clrMapOvr>
-  <p:timing>
-    <p:tnLst>
-      <p:par>
-        <p:cTn id="1" dur="indefinite" restart="never" nodeType="tmRoot"/>
-      </p:par>
-    </p:tnLst>
-  </p:timing>
+</p:sld>
+</file>
+
+<file path=ppt/slides/slide2.xml><?xml version="1.0" encoding="utf-8"?>
+<p:sld xmlns:a="http://schemas.openxmlformats.org/drawingml/2006/main" xmlns:r="http://schemas.openxmlformats.org/officeDocument/2006/relationships" xmlns:p="http://schemas.openxmlformats.org/presentationml/2006/main">
+  <p:cSld>
+    <p:spTree>
+      <p:nvGrpSpPr>
+        <p:cNvPr id="1" name=""/>
+        <p:cNvGrpSpPr/>
+        <p:nvPr/>
+      </p:nvGrpSpPr>
+      <p:grpSpPr>
+        <a:xfrm>
+          <a:off x="0" y="0"/>
+          <a:ext cx="0" cy="0"/>
+          <a:chOff x="0" y="0"/>
+          <a:chExt cx="0" cy="0"/>
+        </a:xfrm>
+      </p:grpSpPr>
+      <p:sp>
+        <p:nvSpPr>
+          <p:cNvPr id="13" name="Rectangle 12"/>
+          <p:cNvSpPr/>
+          <p:nvPr/>
+        </p:nvSpPr>
+        <p:spPr>
+          <a:xfrm>
+            <a:off x="3276600" y="1398006"/>
+            <a:ext cx="1867499" cy="923330"/>
+          </a:xfrm>
+          <a:prstGeom prst="rect">
+            <a:avLst/>
+          </a:prstGeom>
+          <a:noFill/>
+        </p:spPr>
+        <p:txBody>
+          <a:bodyPr wrap="none" lIns="91440" tIns="45720" rIns="91440" bIns="45720">
+            <a:spAutoFit/>
+            <a:scene3d>
+              <a:camera prst="orthographicFront"/>
+              <a:lightRig rig="flat" dir="tl">
+                <a:rot lat="0" lon="0" rev="6600000"/>
+              </a:lightRig>
+            </a:scene3d>
+            <a:sp3d extrusionH="25400" contourW="8890">
+              <a:bevelT w="38100" h="31750"/>
+              <a:contourClr>
+                <a:schemeClr val="accent2">
+                  <a:shade val="75000"/>
+                </a:schemeClr>
+              </a:contourClr>
+            </a:sp3d>
+          </a:bodyPr>
+          <a:lstStyle/>
+          <a:p>
+            <a:pPr algn="ctr"/>
+            <a:r>
+              <a:rPr lang="en-US" sz="5400" b="1" cap="none" spc="0" dirty="0" smtClean="0">
+                <a:ln w="11430"/>
+                <a:gradFill>
+                  <a:gsLst>
+                    <a:gs pos="0">
+                      <a:schemeClr val="accent2">
+                        <a:tint val="70000"/>
+                        <a:satMod val="245000"/>
+                      </a:schemeClr>
+                    </a:gs>
+                    <a:gs pos="75000">
+                      <a:schemeClr val="accent2">
+                        <a:tint val="90000"/>
+                        <a:shade val="60000"/>
+                        <a:satMod val="240000"/>
+                      </a:schemeClr>
+                    </a:gs>
+                    <a:gs pos="100000">
+                      <a:schemeClr val="accent2">
+                        <a:tint val="100000"/>
+                        <a:shade val="50000"/>
+                        <a:satMod val="240000"/>
+                      </a:schemeClr>
+                    </a:gs>
+                  </a:gsLst>
+                  <a:lin ang="5400000"/>
+                </a:gradFill>
+                <a:effectLst>
+                  <a:outerShdw blurRad="50800" dist="39000" dir="5460000" algn="tl">
+                    <a:srgbClr val="000000">
+                      <a:alpha val="38000"/>
+                    </a:srgbClr>
+                  </a:outerShdw>
+                  <a:reflection blurRad="6350" stA="50000" endA="300" endPos="50000" dist="29997" dir="5400000" sy="-100000" algn="bl" rotWithShape="0"/>
+                </a:effectLst>
+              </a:rPr>
+              <a:t>R</a:t>
+            </a:r>
+            <a:r>
+              <a:rPr lang="en-US" sz="5400" b="1" cap="none" spc="0" dirty="0" smtClean="0">
+                <a:ln w="11430"/>
+                <a:solidFill>
+                  <a:srgbClr val="FFC000"/>
+                </a:solidFill>
+                <a:effectLst>
+                  <a:outerShdw blurRad="50800" dist="39000" dir="5460000" algn="tl">
+                    <a:srgbClr val="000000">
+                      <a:alpha val="38000"/>
+                    </a:srgbClr>
+                  </a:outerShdw>
+                  <a:reflection blurRad="6350" stA="50000" endA="300" endPos="50000" dist="29997" dir="5400000" sy="-100000" algn="bl" rotWithShape="0"/>
+                </a:effectLst>
+              </a:rPr>
+              <a:t>S</a:t>
+            </a:r>
+            <a:r>
+              <a:rPr lang="en-US" sz="5400" b="1" cap="none" spc="0" dirty="0" smtClean="0">
+                <a:ln w="11430"/>
+                <a:solidFill>
+                  <a:srgbClr val="00B050"/>
+                </a:solidFill>
+                <a:effectLst>
+                  <a:outerShdw blurRad="50800" dist="39000" dir="5460000" algn="tl">
+                    <a:srgbClr val="000000">
+                      <a:alpha val="38000"/>
+                    </a:srgbClr>
+                  </a:outerShdw>
+                  <a:reflection blurRad="6350" stA="50000" endA="300" endPos="50000" dist="29997" dir="5400000" sy="-100000" algn="bl" rotWithShape="0"/>
+                </a:effectLst>
+              </a:rPr>
+              <a:t>C</a:t>
+            </a:r>
+            <a:r>
+              <a:rPr lang="en-US" sz="5400" b="1" cap="none" spc="0" dirty="0" smtClean="0">
+                <a:ln w="11430"/>
+                <a:solidFill>
+                  <a:schemeClr val="accent1"/>
+                </a:solidFill>
+                <a:effectLst>
+                  <a:outerShdw blurRad="50800" dist="39000" dir="5460000" algn="tl">
+                    <a:srgbClr val="000000">
+                      <a:alpha val="38000"/>
+                    </a:srgbClr>
+                  </a:outerShdw>
+                  <a:reflection blurRad="6350" stA="50000" endA="300" endPos="50000" dist="29997" dir="5400000" sy="-100000" algn="bl" rotWithShape="0"/>
+                </a:effectLst>
+              </a:rPr>
+              <a:t>M</a:t>
+            </a:r>
+            <a:endParaRPr lang="en-US" sz="5400" b="1" cap="none" spc="0" dirty="0">
+              <a:ln w="11430"/>
+              <a:solidFill>
+                <a:schemeClr val="accent1"/>
+              </a:solidFill>
+              <a:effectLst>
+                <a:outerShdw blurRad="50800" dist="39000" dir="5460000" algn="tl">
+                  <a:srgbClr val="000000">
+                    <a:alpha val="38000"/>
+                  </a:srgbClr>
+                </a:outerShdw>
+                <a:reflection blurRad="6350" stA="50000" endA="300" endPos="50000" dist="29997" dir="5400000" sy="-100000" algn="bl" rotWithShape="0"/>
+              </a:effectLst>
+            </a:endParaRPr>
+          </a:p>
+        </p:txBody>
+      </p:sp>
+      <p:pic>
+        <p:nvPicPr>
+          <p:cNvPr id="1026" name="Picture 2" descr="C:\Users\Nearchos Paspallis\Desktop\puzzle_logo_outline_small.png"/>
+          <p:cNvPicPr>
+            <a:picLocks noChangeAspect="1" noChangeArrowheads="1"/>
+          </p:cNvPicPr>
+          <p:nvPr/>
+        </p:nvPicPr>
+        <p:blipFill rotWithShape="1">
+          <a:blip r:embed="rId2" cstate="print">
+            <a:extLst>
+              <a:ext uri="{28A0092B-C50C-407E-A947-70E740481C1C}">
+                <a14:useLocalDpi xmlns:a14="http://schemas.microsoft.com/office/drawing/2010/main" val="0"/>
+              </a:ext>
+            </a:extLst>
+          </a:blip>
+          <a:srcRect l="3518" t="4273" r="5810" b="4117"/>
+          <a:stretch/>
+        </p:blipFill>
+        <p:spPr bwMode="auto">
+          <a:xfrm>
+            <a:off x="2770359" y="1580064"/>
+            <a:ext cx="533400" cy="538918"/>
+          </a:xfrm>
+          <a:prstGeom prst="rect">
+            <a:avLst/>
+          </a:prstGeom>
+          <a:noFill/>
+          <a:effectLst>
+            <a:outerShdw blurRad="50800" dist="38100" dir="2700000" algn="tl" rotWithShape="0">
+              <a:prstClr val="black">
+                <a:alpha val="40000"/>
+              </a:prstClr>
+            </a:outerShdw>
+            <a:reflection blurRad="6350" stA="50000" endA="300" endPos="55500" dist="50800" dir="5400000" sy="-100000" algn="bl" rotWithShape="0"/>
+          </a:effectLst>
+          <a:extLst>
+            <a:ext uri="{909E8E84-426E-40DD-AFC4-6F175D3DCCD1}">
+              <a14:hiddenFill xmlns:a14="http://schemas.microsoft.com/office/drawing/2010/main">
+                <a:solidFill>
+                  <a:srgbClr val="FFFFFF"/>
+                </a:solidFill>
+              </a14:hiddenFill>
+            </a:ext>
+          </a:extLst>
+        </p:spPr>
+      </p:pic>
+    </p:spTree>
+    <p:extLst>
+      <p:ext uri="{BB962C8B-B14F-4D97-AF65-F5344CB8AC3E}">
+        <p14:creationId xmlns:p14="http://schemas.microsoft.com/office/powerpoint/2010/main" val="2149854636"/>
+      </p:ext>
+    </p:extLst>
+  </p:cSld>
+  <p:clrMapOvr>
+    <a:masterClrMapping/>
+  </p:clrMapOvr>
 </p:sld>
 </file>
 
